--- a/ppt 16-9/1504.主,我敬拜祢.pptx
+++ b/ppt 16-9/1504.主,我敬拜祢.pptx
@@ -5,7 +5,7 @@
     <p:sldMasterId id="2147483648" r:id="rId1"/>
   </p:sldMasterIdLst>
   <p:sldIdLst>
-    <p:sldId id="1906" r:id="rId2"/>
+    <p:sldId id="1907" r:id="rId2"/>
   </p:sldIdLst>
   <p:sldSz cx="12192000" cy="6858000"/>
   <p:notesSz cx="6858000" cy="9144000"/>
@@ -129,7 +129,7 @@
           <p:cNvPr id="2" name="标题 1">
             <a:extLst>
               <a:ext uri="{FF2B5EF4-FFF2-40B4-BE49-F238E27FC236}">
-                <a16:creationId xmlns:a16="http://schemas.microsoft.com/office/drawing/2014/main" id="{EDDE0CD8-F2AA-DB39-1DD6-27B2D77D93B0}"/>
+                <a16:creationId xmlns:a16="http://schemas.microsoft.com/office/drawing/2014/main" id="{BD3E485E-093B-746F-F140-1ACF79FD945A}"/>
               </a:ext>
             </a:extLst>
           </p:cNvPr>
@@ -166,7 +166,7 @@
           <p:cNvPr id="3" name="副标题 2">
             <a:extLst>
               <a:ext uri="{FF2B5EF4-FFF2-40B4-BE49-F238E27FC236}">
-                <a16:creationId xmlns:a16="http://schemas.microsoft.com/office/drawing/2014/main" id="{F2322832-7620-73DB-7B3B-DE40938AFB57}"/>
+                <a16:creationId xmlns:a16="http://schemas.microsoft.com/office/drawing/2014/main" id="{D309222F-8F45-F43A-AF0C-55276A0217C9}"/>
               </a:ext>
             </a:extLst>
           </p:cNvPr>
@@ -236,7 +236,7 @@
           <p:cNvPr id="4" name="日期占位符 3">
             <a:extLst>
               <a:ext uri="{FF2B5EF4-FFF2-40B4-BE49-F238E27FC236}">
-                <a16:creationId xmlns:a16="http://schemas.microsoft.com/office/drawing/2014/main" id="{5A81B8AF-22D6-7766-C295-EEEF7CF4D053}"/>
+                <a16:creationId xmlns:a16="http://schemas.microsoft.com/office/drawing/2014/main" id="{FDD0EC43-AA16-C9BD-FBFF-1C1CB33267F3}"/>
               </a:ext>
             </a:extLst>
           </p:cNvPr>
@@ -252,7 +252,7 @@
           <a:bodyPr/>
           <a:lstStyle/>
           <a:p>
-            <a:fld id="{BDCE1039-C574-4E4C-8F55-306E311F6B0A}" type="datetimeFigureOut">
+            <a:fld id="{5A848A7C-6EFE-43CA-8AF9-3FF62C666F14}" type="datetimeFigureOut">
               <a:rPr lang="zh-CN" altLang="en-US" smtClean="0"/>
               <a:t>2024/3/10</a:t>
             </a:fld>
@@ -265,7 +265,7 @@
           <p:cNvPr id="5" name="页脚占位符 4">
             <a:extLst>
               <a:ext uri="{FF2B5EF4-FFF2-40B4-BE49-F238E27FC236}">
-                <a16:creationId xmlns:a16="http://schemas.microsoft.com/office/drawing/2014/main" id="{CF59F383-8443-9DB4-CF4B-E94C7E23A996}"/>
+                <a16:creationId xmlns:a16="http://schemas.microsoft.com/office/drawing/2014/main" id="{04090728-665B-2429-5013-048D2F8DD251}"/>
               </a:ext>
             </a:extLst>
           </p:cNvPr>
@@ -290,7 +290,7 @@
           <p:cNvPr id="6" name="灯片编号占位符 5">
             <a:extLst>
               <a:ext uri="{FF2B5EF4-FFF2-40B4-BE49-F238E27FC236}">
-                <a16:creationId xmlns:a16="http://schemas.microsoft.com/office/drawing/2014/main" id="{1E8A2BC2-E9D2-D948-5440-53521981FB55}"/>
+                <a16:creationId xmlns:a16="http://schemas.microsoft.com/office/drawing/2014/main" id="{23041FC4-8856-29A9-AD74-C1C77EBE4BE9}"/>
               </a:ext>
             </a:extLst>
           </p:cNvPr>
@@ -306,7 +306,7 @@
           <a:bodyPr/>
           <a:lstStyle/>
           <a:p>
-            <a:fld id="{D7DCD8C9-37A4-40CC-B7BD-8AC796407723}" type="slidenum">
+            <a:fld id="{7200C814-AA35-4FA0-96E4-BD39A39EB36B}" type="slidenum">
               <a:rPr lang="zh-CN" altLang="en-US" smtClean="0"/>
               <a:t>‹#›</a:t>
             </a:fld>
@@ -317,7 +317,7 @@
     </p:spTree>
     <p:extLst>
       <p:ext uri="{BB962C8B-B14F-4D97-AF65-F5344CB8AC3E}">
-        <p14:creationId xmlns:p14="http://schemas.microsoft.com/office/powerpoint/2010/main" val="1278639263"/>
+        <p14:creationId xmlns:p14="http://schemas.microsoft.com/office/powerpoint/2010/main" val="3619090067"/>
       </p:ext>
     </p:extLst>
   </p:cSld>
@@ -349,7 +349,7 @@
           <p:cNvPr id="2" name="标题 1">
             <a:extLst>
               <a:ext uri="{FF2B5EF4-FFF2-40B4-BE49-F238E27FC236}">
-                <a16:creationId xmlns:a16="http://schemas.microsoft.com/office/drawing/2014/main" id="{46FFB0D1-93FE-4ED7-BBCE-AE537FD10AD0}"/>
+                <a16:creationId xmlns:a16="http://schemas.microsoft.com/office/drawing/2014/main" id="{417D6033-436D-FC65-03F8-365679CC2B32}"/>
               </a:ext>
             </a:extLst>
           </p:cNvPr>
@@ -377,7 +377,7 @@
           <p:cNvPr id="3" name="竖排文字占位符 2">
             <a:extLst>
               <a:ext uri="{FF2B5EF4-FFF2-40B4-BE49-F238E27FC236}">
-                <a16:creationId xmlns:a16="http://schemas.microsoft.com/office/drawing/2014/main" id="{9DE66182-4ACE-ED3B-8A68-EE3439C4B1B1}"/>
+                <a16:creationId xmlns:a16="http://schemas.microsoft.com/office/drawing/2014/main" id="{A8EA53AA-65D4-2933-7766-0BA30538DCD9}"/>
               </a:ext>
             </a:extLst>
           </p:cNvPr>
@@ -434,7 +434,7 @@
           <p:cNvPr id="4" name="日期占位符 3">
             <a:extLst>
               <a:ext uri="{FF2B5EF4-FFF2-40B4-BE49-F238E27FC236}">
-                <a16:creationId xmlns:a16="http://schemas.microsoft.com/office/drawing/2014/main" id="{32859EF6-7DF9-3130-B3F5-B19AF72D2CDA}"/>
+                <a16:creationId xmlns:a16="http://schemas.microsoft.com/office/drawing/2014/main" id="{756E4BEE-22A9-9DA3-B108-212E5A2639F4}"/>
               </a:ext>
             </a:extLst>
           </p:cNvPr>
@@ -450,7 +450,7 @@
           <a:bodyPr/>
           <a:lstStyle/>
           <a:p>
-            <a:fld id="{BDCE1039-C574-4E4C-8F55-306E311F6B0A}" type="datetimeFigureOut">
+            <a:fld id="{5A848A7C-6EFE-43CA-8AF9-3FF62C666F14}" type="datetimeFigureOut">
               <a:rPr lang="zh-CN" altLang="en-US" smtClean="0"/>
               <a:t>2024/3/10</a:t>
             </a:fld>
@@ -463,7 +463,7 @@
           <p:cNvPr id="5" name="页脚占位符 4">
             <a:extLst>
               <a:ext uri="{FF2B5EF4-FFF2-40B4-BE49-F238E27FC236}">
-                <a16:creationId xmlns:a16="http://schemas.microsoft.com/office/drawing/2014/main" id="{D9B3BBB6-F902-02C2-F2BB-D2C30A5707C3}"/>
+                <a16:creationId xmlns:a16="http://schemas.microsoft.com/office/drawing/2014/main" id="{85EAF318-3A05-95CD-48E2-BC6DDA26F673}"/>
               </a:ext>
             </a:extLst>
           </p:cNvPr>
@@ -488,7 +488,7 @@
           <p:cNvPr id="6" name="灯片编号占位符 5">
             <a:extLst>
               <a:ext uri="{FF2B5EF4-FFF2-40B4-BE49-F238E27FC236}">
-                <a16:creationId xmlns:a16="http://schemas.microsoft.com/office/drawing/2014/main" id="{2DF3BB2E-8EBC-C689-6BEF-561ACA3EC473}"/>
+                <a16:creationId xmlns:a16="http://schemas.microsoft.com/office/drawing/2014/main" id="{0D6BF41B-A869-D4FB-702A-F4BF5BF85279}"/>
               </a:ext>
             </a:extLst>
           </p:cNvPr>
@@ -504,7 +504,7 @@
           <a:bodyPr/>
           <a:lstStyle/>
           <a:p>
-            <a:fld id="{D7DCD8C9-37A4-40CC-B7BD-8AC796407723}" type="slidenum">
+            <a:fld id="{7200C814-AA35-4FA0-96E4-BD39A39EB36B}" type="slidenum">
               <a:rPr lang="zh-CN" altLang="en-US" smtClean="0"/>
               <a:t>‹#›</a:t>
             </a:fld>
@@ -515,7 +515,7 @@
     </p:spTree>
     <p:extLst>
       <p:ext uri="{BB962C8B-B14F-4D97-AF65-F5344CB8AC3E}">
-        <p14:creationId xmlns:p14="http://schemas.microsoft.com/office/powerpoint/2010/main" val="1467334313"/>
+        <p14:creationId xmlns:p14="http://schemas.microsoft.com/office/powerpoint/2010/main" val="1760791968"/>
       </p:ext>
     </p:extLst>
   </p:cSld>
@@ -547,7 +547,7 @@
           <p:cNvPr id="2" name="竖排标题 1">
             <a:extLst>
               <a:ext uri="{FF2B5EF4-FFF2-40B4-BE49-F238E27FC236}">
-                <a16:creationId xmlns:a16="http://schemas.microsoft.com/office/drawing/2014/main" id="{679244CE-4E4B-A5F3-2449-3895880FF985}"/>
+                <a16:creationId xmlns:a16="http://schemas.microsoft.com/office/drawing/2014/main" id="{3E7A231E-AE9B-2D8E-FE6B-7E15ACF0AABD}"/>
               </a:ext>
             </a:extLst>
           </p:cNvPr>
@@ -580,7 +580,7 @@
           <p:cNvPr id="3" name="竖排文字占位符 2">
             <a:extLst>
               <a:ext uri="{FF2B5EF4-FFF2-40B4-BE49-F238E27FC236}">
-                <a16:creationId xmlns:a16="http://schemas.microsoft.com/office/drawing/2014/main" id="{7A0547F6-39AC-4C7F-D264-A75CC68ACAE5}"/>
+                <a16:creationId xmlns:a16="http://schemas.microsoft.com/office/drawing/2014/main" id="{05368CE9-E965-840B-777E-E2D7F6BDB56E}"/>
               </a:ext>
             </a:extLst>
           </p:cNvPr>
@@ -642,7 +642,7 @@
           <p:cNvPr id="4" name="日期占位符 3">
             <a:extLst>
               <a:ext uri="{FF2B5EF4-FFF2-40B4-BE49-F238E27FC236}">
-                <a16:creationId xmlns:a16="http://schemas.microsoft.com/office/drawing/2014/main" id="{A81105F9-1088-7B67-2CE8-6F838F6DD5CA}"/>
+                <a16:creationId xmlns:a16="http://schemas.microsoft.com/office/drawing/2014/main" id="{46AF7BE4-6DC4-C590-A629-C2921819A3F6}"/>
               </a:ext>
             </a:extLst>
           </p:cNvPr>
@@ -658,7 +658,7 @@
           <a:bodyPr/>
           <a:lstStyle/>
           <a:p>
-            <a:fld id="{BDCE1039-C574-4E4C-8F55-306E311F6B0A}" type="datetimeFigureOut">
+            <a:fld id="{5A848A7C-6EFE-43CA-8AF9-3FF62C666F14}" type="datetimeFigureOut">
               <a:rPr lang="zh-CN" altLang="en-US" smtClean="0"/>
               <a:t>2024/3/10</a:t>
             </a:fld>
@@ -671,7 +671,7 @@
           <p:cNvPr id="5" name="页脚占位符 4">
             <a:extLst>
               <a:ext uri="{FF2B5EF4-FFF2-40B4-BE49-F238E27FC236}">
-                <a16:creationId xmlns:a16="http://schemas.microsoft.com/office/drawing/2014/main" id="{74C1A370-1536-A7CC-11F8-F740FFD9B3D9}"/>
+                <a16:creationId xmlns:a16="http://schemas.microsoft.com/office/drawing/2014/main" id="{3EAF367E-0316-323F-3433-493CC37E692F}"/>
               </a:ext>
             </a:extLst>
           </p:cNvPr>
@@ -696,7 +696,7 @@
           <p:cNvPr id="6" name="灯片编号占位符 5">
             <a:extLst>
               <a:ext uri="{FF2B5EF4-FFF2-40B4-BE49-F238E27FC236}">
-                <a16:creationId xmlns:a16="http://schemas.microsoft.com/office/drawing/2014/main" id="{27369741-EA33-ED03-5362-F60CBA291C26}"/>
+                <a16:creationId xmlns:a16="http://schemas.microsoft.com/office/drawing/2014/main" id="{D78662EE-DB9D-387D-0D2B-408F96DC80D8}"/>
               </a:ext>
             </a:extLst>
           </p:cNvPr>
@@ -712,7 +712,7 @@
           <a:bodyPr/>
           <a:lstStyle/>
           <a:p>
-            <a:fld id="{D7DCD8C9-37A4-40CC-B7BD-8AC796407723}" type="slidenum">
+            <a:fld id="{7200C814-AA35-4FA0-96E4-BD39A39EB36B}" type="slidenum">
               <a:rPr lang="zh-CN" altLang="en-US" smtClean="0"/>
               <a:t>‹#›</a:t>
             </a:fld>
@@ -723,7 +723,7 @@
     </p:spTree>
     <p:extLst>
       <p:ext uri="{BB962C8B-B14F-4D97-AF65-F5344CB8AC3E}">
-        <p14:creationId xmlns:p14="http://schemas.microsoft.com/office/powerpoint/2010/main" val="493804760"/>
+        <p14:creationId xmlns:p14="http://schemas.microsoft.com/office/powerpoint/2010/main" val="1122398376"/>
       </p:ext>
     </p:extLst>
   </p:cSld>
@@ -755,7 +755,7 @@
           <p:cNvPr id="2" name="标题 1">
             <a:extLst>
               <a:ext uri="{FF2B5EF4-FFF2-40B4-BE49-F238E27FC236}">
-                <a16:creationId xmlns:a16="http://schemas.microsoft.com/office/drawing/2014/main" id="{CD9D954E-3CC0-6B3B-0844-89EF6C317AE9}"/>
+                <a16:creationId xmlns:a16="http://schemas.microsoft.com/office/drawing/2014/main" id="{F42B4BE9-A771-F9AE-E6E7-1A51A963277B}"/>
               </a:ext>
             </a:extLst>
           </p:cNvPr>
@@ -783,7 +783,7 @@
           <p:cNvPr id="3" name="内容占位符 2">
             <a:extLst>
               <a:ext uri="{FF2B5EF4-FFF2-40B4-BE49-F238E27FC236}">
-                <a16:creationId xmlns:a16="http://schemas.microsoft.com/office/drawing/2014/main" id="{110CA4F2-466D-4DC6-FC6B-99D9617B58AB}"/>
+                <a16:creationId xmlns:a16="http://schemas.microsoft.com/office/drawing/2014/main" id="{1ED83138-9FD3-73A0-D53C-F6E276282A54}"/>
               </a:ext>
             </a:extLst>
           </p:cNvPr>
@@ -840,7 +840,7 @@
           <p:cNvPr id="4" name="日期占位符 3">
             <a:extLst>
               <a:ext uri="{FF2B5EF4-FFF2-40B4-BE49-F238E27FC236}">
-                <a16:creationId xmlns:a16="http://schemas.microsoft.com/office/drawing/2014/main" id="{46CAB424-4B9D-A1F8-3E75-868A2C1023AB}"/>
+                <a16:creationId xmlns:a16="http://schemas.microsoft.com/office/drawing/2014/main" id="{7463BD4E-9AF7-1963-B371-F17196F1FAE1}"/>
               </a:ext>
             </a:extLst>
           </p:cNvPr>
@@ -856,7 +856,7 @@
           <a:bodyPr/>
           <a:lstStyle/>
           <a:p>
-            <a:fld id="{BDCE1039-C574-4E4C-8F55-306E311F6B0A}" type="datetimeFigureOut">
+            <a:fld id="{5A848A7C-6EFE-43CA-8AF9-3FF62C666F14}" type="datetimeFigureOut">
               <a:rPr lang="zh-CN" altLang="en-US" smtClean="0"/>
               <a:t>2024/3/10</a:t>
             </a:fld>
@@ -869,7 +869,7 @@
           <p:cNvPr id="5" name="页脚占位符 4">
             <a:extLst>
               <a:ext uri="{FF2B5EF4-FFF2-40B4-BE49-F238E27FC236}">
-                <a16:creationId xmlns:a16="http://schemas.microsoft.com/office/drawing/2014/main" id="{84E83472-9692-D6D7-41D1-9F7C5A64B90F}"/>
+                <a16:creationId xmlns:a16="http://schemas.microsoft.com/office/drawing/2014/main" id="{6D74C80B-17DB-C412-56BB-96DBBD541A43}"/>
               </a:ext>
             </a:extLst>
           </p:cNvPr>
@@ -894,7 +894,7 @@
           <p:cNvPr id="6" name="灯片编号占位符 5">
             <a:extLst>
               <a:ext uri="{FF2B5EF4-FFF2-40B4-BE49-F238E27FC236}">
-                <a16:creationId xmlns:a16="http://schemas.microsoft.com/office/drawing/2014/main" id="{8B22CB88-DF92-CDC8-901D-E98999D935E3}"/>
+                <a16:creationId xmlns:a16="http://schemas.microsoft.com/office/drawing/2014/main" id="{1CF1E876-9A9E-0E3A-07F3-257CEECD2788}"/>
               </a:ext>
             </a:extLst>
           </p:cNvPr>
@@ -910,7 +910,7 @@
           <a:bodyPr/>
           <a:lstStyle/>
           <a:p>
-            <a:fld id="{D7DCD8C9-37A4-40CC-B7BD-8AC796407723}" type="slidenum">
+            <a:fld id="{7200C814-AA35-4FA0-96E4-BD39A39EB36B}" type="slidenum">
               <a:rPr lang="zh-CN" altLang="en-US" smtClean="0"/>
               <a:t>‹#›</a:t>
             </a:fld>
@@ -921,7 +921,7 @@
     </p:spTree>
     <p:extLst>
       <p:ext uri="{BB962C8B-B14F-4D97-AF65-F5344CB8AC3E}">
-        <p14:creationId xmlns:p14="http://schemas.microsoft.com/office/powerpoint/2010/main" val="26805358"/>
+        <p14:creationId xmlns:p14="http://schemas.microsoft.com/office/powerpoint/2010/main" val="1941234487"/>
       </p:ext>
     </p:extLst>
   </p:cSld>
@@ -953,7 +953,7 @@
           <p:cNvPr id="2" name="标题 1">
             <a:extLst>
               <a:ext uri="{FF2B5EF4-FFF2-40B4-BE49-F238E27FC236}">
-                <a16:creationId xmlns:a16="http://schemas.microsoft.com/office/drawing/2014/main" id="{95CFFA9B-A53E-608F-5607-B62F458DAD01}"/>
+                <a16:creationId xmlns:a16="http://schemas.microsoft.com/office/drawing/2014/main" id="{4932156F-BF40-904E-1E97-F53E8A9B4F6A}"/>
               </a:ext>
             </a:extLst>
           </p:cNvPr>
@@ -990,7 +990,7 @@
           <p:cNvPr id="3" name="文本占位符 2">
             <a:extLst>
               <a:ext uri="{FF2B5EF4-FFF2-40B4-BE49-F238E27FC236}">
-                <a16:creationId xmlns:a16="http://schemas.microsoft.com/office/drawing/2014/main" id="{C562B622-A893-72E9-C4ED-1A83A222680D}"/>
+                <a16:creationId xmlns:a16="http://schemas.microsoft.com/office/drawing/2014/main" id="{10DCBE3A-2C5A-A1AF-98E2-F4095BF7E6F8}"/>
               </a:ext>
             </a:extLst>
           </p:cNvPr>
@@ -1115,7 +1115,7 @@
           <p:cNvPr id="4" name="日期占位符 3">
             <a:extLst>
               <a:ext uri="{FF2B5EF4-FFF2-40B4-BE49-F238E27FC236}">
-                <a16:creationId xmlns:a16="http://schemas.microsoft.com/office/drawing/2014/main" id="{93AF1442-A3FE-A5E5-7DF1-DBB5242EF0CD}"/>
+                <a16:creationId xmlns:a16="http://schemas.microsoft.com/office/drawing/2014/main" id="{8D5C5167-3BA5-6D37-FAE5-C7EDA997FA47}"/>
               </a:ext>
             </a:extLst>
           </p:cNvPr>
@@ -1131,7 +1131,7 @@
           <a:bodyPr/>
           <a:lstStyle/>
           <a:p>
-            <a:fld id="{BDCE1039-C574-4E4C-8F55-306E311F6B0A}" type="datetimeFigureOut">
+            <a:fld id="{5A848A7C-6EFE-43CA-8AF9-3FF62C666F14}" type="datetimeFigureOut">
               <a:rPr lang="zh-CN" altLang="en-US" smtClean="0"/>
               <a:t>2024/3/10</a:t>
             </a:fld>
@@ -1144,7 +1144,7 @@
           <p:cNvPr id="5" name="页脚占位符 4">
             <a:extLst>
               <a:ext uri="{FF2B5EF4-FFF2-40B4-BE49-F238E27FC236}">
-                <a16:creationId xmlns:a16="http://schemas.microsoft.com/office/drawing/2014/main" id="{2694FF1B-65EB-CC96-077E-CA86FD295AAE}"/>
+                <a16:creationId xmlns:a16="http://schemas.microsoft.com/office/drawing/2014/main" id="{48C249F9-076F-1C62-CC6C-D4105A119F71}"/>
               </a:ext>
             </a:extLst>
           </p:cNvPr>
@@ -1169,7 +1169,7 @@
           <p:cNvPr id="6" name="灯片编号占位符 5">
             <a:extLst>
               <a:ext uri="{FF2B5EF4-FFF2-40B4-BE49-F238E27FC236}">
-                <a16:creationId xmlns:a16="http://schemas.microsoft.com/office/drawing/2014/main" id="{42E1291B-F9F5-974E-EBAB-2A1EADD40397}"/>
+                <a16:creationId xmlns:a16="http://schemas.microsoft.com/office/drawing/2014/main" id="{F632C4A7-F6A5-71CD-FC04-4651424E0EE6}"/>
               </a:ext>
             </a:extLst>
           </p:cNvPr>
@@ -1185,7 +1185,7 @@
           <a:bodyPr/>
           <a:lstStyle/>
           <a:p>
-            <a:fld id="{D7DCD8C9-37A4-40CC-B7BD-8AC796407723}" type="slidenum">
+            <a:fld id="{7200C814-AA35-4FA0-96E4-BD39A39EB36B}" type="slidenum">
               <a:rPr lang="zh-CN" altLang="en-US" smtClean="0"/>
               <a:t>‹#›</a:t>
             </a:fld>
@@ -1196,7 +1196,7 @@
     </p:spTree>
     <p:extLst>
       <p:ext uri="{BB962C8B-B14F-4D97-AF65-F5344CB8AC3E}">
-        <p14:creationId xmlns:p14="http://schemas.microsoft.com/office/powerpoint/2010/main" val="430757427"/>
+        <p14:creationId xmlns:p14="http://schemas.microsoft.com/office/powerpoint/2010/main" val="548398022"/>
       </p:ext>
     </p:extLst>
   </p:cSld>
@@ -1228,7 +1228,7 @@
           <p:cNvPr id="2" name="标题 1">
             <a:extLst>
               <a:ext uri="{FF2B5EF4-FFF2-40B4-BE49-F238E27FC236}">
-                <a16:creationId xmlns:a16="http://schemas.microsoft.com/office/drawing/2014/main" id="{05BE5FCF-5793-4C2B-13A6-98CACC257844}"/>
+                <a16:creationId xmlns:a16="http://schemas.microsoft.com/office/drawing/2014/main" id="{3573F420-9F98-7759-85EF-F82B56B56A15}"/>
               </a:ext>
             </a:extLst>
           </p:cNvPr>
@@ -1256,7 +1256,7 @@
           <p:cNvPr id="3" name="内容占位符 2">
             <a:extLst>
               <a:ext uri="{FF2B5EF4-FFF2-40B4-BE49-F238E27FC236}">
-                <a16:creationId xmlns:a16="http://schemas.microsoft.com/office/drawing/2014/main" id="{72246FD7-983F-77F7-29C1-2B0D52E29F5F}"/>
+                <a16:creationId xmlns:a16="http://schemas.microsoft.com/office/drawing/2014/main" id="{F950B875-798F-B62F-44C5-8EEFE5516C06}"/>
               </a:ext>
             </a:extLst>
           </p:cNvPr>
@@ -1318,7 +1318,7 @@
           <p:cNvPr id="4" name="内容占位符 3">
             <a:extLst>
               <a:ext uri="{FF2B5EF4-FFF2-40B4-BE49-F238E27FC236}">
-                <a16:creationId xmlns:a16="http://schemas.microsoft.com/office/drawing/2014/main" id="{BA662406-48AC-A82E-05E0-E8D041F126FC}"/>
+                <a16:creationId xmlns:a16="http://schemas.microsoft.com/office/drawing/2014/main" id="{F57DB755-D9EF-419D-D5CD-9EF2673AF69C}"/>
               </a:ext>
             </a:extLst>
           </p:cNvPr>
@@ -1380,7 +1380,7 @@
           <p:cNvPr id="5" name="日期占位符 4">
             <a:extLst>
               <a:ext uri="{FF2B5EF4-FFF2-40B4-BE49-F238E27FC236}">
-                <a16:creationId xmlns:a16="http://schemas.microsoft.com/office/drawing/2014/main" id="{25D9925E-280C-B49C-0E16-6F0233EB2A02}"/>
+                <a16:creationId xmlns:a16="http://schemas.microsoft.com/office/drawing/2014/main" id="{05DB01BC-FB32-C659-1BDD-A6565A81F57B}"/>
               </a:ext>
             </a:extLst>
           </p:cNvPr>
@@ -1396,7 +1396,7 @@
           <a:bodyPr/>
           <a:lstStyle/>
           <a:p>
-            <a:fld id="{BDCE1039-C574-4E4C-8F55-306E311F6B0A}" type="datetimeFigureOut">
+            <a:fld id="{5A848A7C-6EFE-43CA-8AF9-3FF62C666F14}" type="datetimeFigureOut">
               <a:rPr lang="zh-CN" altLang="en-US" smtClean="0"/>
               <a:t>2024/3/10</a:t>
             </a:fld>
@@ -1409,7 +1409,7 @@
           <p:cNvPr id="6" name="页脚占位符 5">
             <a:extLst>
               <a:ext uri="{FF2B5EF4-FFF2-40B4-BE49-F238E27FC236}">
-                <a16:creationId xmlns:a16="http://schemas.microsoft.com/office/drawing/2014/main" id="{AD9CEF15-6B08-57FC-089D-65A203F8650E}"/>
+                <a16:creationId xmlns:a16="http://schemas.microsoft.com/office/drawing/2014/main" id="{9145526E-7B0C-B1BE-78E2-470E0B4BC24F}"/>
               </a:ext>
             </a:extLst>
           </p:cNvPr>
@@ -1434,7 +1434,7 @@
           <p:cNvPr id="7" name="灯片编号占位符 6">
             <a:extLst>
               <a:ext uri="{FF2B5EF4-FFF2-40B4-BE49-F238E27FC236}">
-                <a16:creationId xmlns:a16="http://schemas.microsoft.com/office/drawing/2014/main" id="{9AD4B5C5-F438-1AD0-128D-60C063A353AF}"/>
+                <a16:creationId xmlns:a16="http://schemas.microsoft.com/office/drawing/2014/main" id="{36EC882D-D622-E87F-DFF2-C68EBFB299FE}"/>
               </a:ext>
             </a:extLst>
           </p:cNvPr>
@@ -1450,7 +1450,7 @@
           <a:bodyPr/>
           <a:lstStyle/>
           <a:p>
-            <a:fld id="{D7DCD8C9-37A4-40CC-B7BD-8AC796407723}" type="slidenum">
+            <a:fld id="{7200C814-AA35-4FA0-96E4-BD39A39EB36B}" type="slidenum">
               <a:rPr lang="zh-CN" altLang="en-US" smtClean="0"/>
               <a:t>‹#›</a:t>
             </a:fld>
@@ -1461,7 +1461,7 @@
     </p:spTree>
     <p:extLst>
       <p:ext uri="{BB962C8B-B14F-4D97-AF65-F5344CB8AC3E}">
-        <p14:creationId xmlns:p14="http://schemas.microsoft.com/office/powerpoint/2010/main" val="4291958183"/>
+        <p14:creationId xmlns:p14="http://schemas.microsoft.com/office/powerpoint/2010/main" val="1891069762"/>
       </p:ext>
     </p:extLst>
   </p:cSld>
@@ -1493,7 +1493,7 @@
           <p:cNvPr id="2" name="标题 1">
             <a:extLst>
               <a:ext uri="{FF2B5EF4-FFF2-40B4-BE49-F238E27FC236}">
-                <a16:creationId xmlns:a16="http://schemas.microsoft.com/office/drawing/2014/main" id="{142F2895-9308-0546-5D60-3EB2C3334A77}"/>
+                <a16:creationId xmlns:a16="http://schemas.microsoft.com/office/drawing/2014/main" id="{18373EB7-5B64-C0EA-E8E4-4030AFEA2408}"/>
               </a:ext>
             </a:extLst>
           </p:cNvPr>
@@ -1526,7 +1526,7 @@
           <p:cNvPr id="3" name="文本占位符 2">
             <a:extLst>
               <a:ext uri="{FF2B5EF4-FFF2-40B4-BE49-F238E27FC236}">
-                <a16:creationId xmlns:a16="http://schemas.microsoft.com/office/drawing/2014/main" id="{6EC61B15-C870-0EC6-615D-E907AD65A0CF}"/>
+                <a16:creationId xmlns:a16="http://schemas.microsoft.com/office/drawing/2014/main" id="{3E05C085-0443-3336-FEB6-3BFF4B5D9AB5}"/>
               </a:ext>
             </a:extLst>
           </p:cNvPr>
@@ -1597,7 +1597,7 @@
           <p:cNvPr id="4" name="内容占位符 3">
             <a:extLst>
               <a:ext uri="{FF2B5EF4-FFF2-40B4-BE49-F238E27FC236}">
-                <a16:creationId xmlns:a16="http://schemas.microsoft.com/office/drawing/2014/main" id="{CD71A578-A831-88EB-22D2-5E95E3304776}"/>
+                <a16:creationId xmlns:a16="http://schemas.microsoft.com/office/drawing/2014/main" id="{419CA318-B5DA-D738-D11B-B30B4CADFF8E}"/>
               </a:ext>
             </a:extLst>
           </p:cNvPr>
@@ -1659,7 +1659,7 @@
           <p:cNvPr id="5" name="文本占位符 4">
             <a:extLst>
               <a:ext uri="{FF2B5EF4-FFF2-40B4-BE49-F238E27FC236}">
-                <a16:creationId xmlns:a16="http://schemas.microsoft.com/office/drawing/2014/main" id="{A6BA9ACC-0E28-3C17-456A-C4004D01865E}"/>
+                <a16:creationId xmlns:a16="http://schemas.microsoft.com/office/drawing/2014/main" id="{48066B0D-E6F6-AE5C-7257-AEE62BB35EE4}"/>
               </a:ext>
             </a:extLst>
           </p:cNvPr>
@@ -1730,7 +1730,7 @@
           <p:cNvPr id="6" name="内容占位符 5">
             <a:extLst>
               <a:ext uri="{FF2B5EF4-FFF2-40B4-BE49-F238E27FC236}">
-                <a16:creationId xmlns:a16="http://schemas.microsoft.com/office/drawing/2014/main" id="{41F531D0-50A5-BFAB-D75B-100089938AA3}"/>
+                <a16:creationId xmlns:a16="http://schemas.microsoft.com/office/drawing/2014/main" id="{45E12A04-1015-213D-B819-45572FEA1BE1}"/>
               </a:ext>
             </a:extLst>
           </p:cNvPr>
@@ -1792,7 +1792,7 @@
           <p:cNvPr id="7" name="日期占位符 6">
             <a:extLst>
               <a:ext uri="{FF2B5EF4-FFF2-40B4-BE49-F238E27FC236}">
-                <a16:creationId xmlns:a16="http://schemas.microsoft.com/office/drawing/2014/main" id="{4BB8C424-CCE4-DA23-9A59-3C7B7743D0AD}"/>
+                <a16:creationId xmlns:a16="http://schemas.microsoft.com/office/drawing/2014/main" id="{ED8E820A-9ACF-5C76-C950-434A65FEE6C2}"/>
               </a:ext>
             </a:extLst>
           </p:cNvPr>
@@ -1808,7 +1808,7 @@
           <a:bodyPr/>
           <a:lstStyle/>
           <a:p>
-            <a:fld id="{BDCE1039-C574-4E4C-8F55-306E311F6B0A}" type="datetimeFigureOut">
+            <a:fld id="{5A848A7C-6EFE-43CA-8AF9-3FF62C666F14}" type="datetimeFigureOut">
               <a:rPr lang="zh-CN" altLang="en-US" smtClean="0"/>
               <a:t>2024/3/10</a:t>
             </a:fld>
@@ -1821,7 +1821,7 @@
           <p:cNvPr id="8" name="页脚占位符 7">
             <a:extLst>
               <a:ext uri="{FF2B5EF4-FFF2-40B4-BE49-F238E27FC236}">
-                <a16:creationId xmlns:a16="http://schemas.microsoft.com/office/drawing/2014/main" id="{49FEAB80-D587-624D-41A4-C46473823E42}"/>
+                <a16:creationId xmlns:a16="http://schemas.microsoft.com/office/drawing/2014/main" id="{38BD026E-E5A7-C8DA-0CD1-62DF5C03EBDC}"/>
               </a:ext>
             </a:extLst>
           </p:cNvPr>
@@ -1846,7 +1846,7 @@
           <p:cNvPr id="9" name="灯片编号占位符 8">
             <a:extLst>
               <a:ext uri="{FF2B5EF4-FFF2-40B4-BE49-F238E27FC236}">
-                <a16:creationId xmlns:a16="http://schemas.microsoft.com/office/drawing/2014/main" id="{979C9155-4CF8-ECA8-9B8E-9C5C0DADF5B8}"/>
+                <a16:creationId xmlns:a16="http://schemas.microsoft.com/office/drawing/2014/main" id="{9FFE34A6-303A-CB8F-422A-948000F4AFD2}"/>
               </a:ext>
             </a:extLst>
           </p:cNvPr>
@@ -1862,7 +1862,7 @@
           <a:bodyPr/>
           <a:lstStyle/>
           <a:p>
-            <a:fld id="{D7DCD8C9-37A4-40CC-B7BD-8AC796407723}" type="slidenum">
+            <a:fld id="{7200C814-AA35-4FA0-96E4-BD39A39EB36B}" type="slidenum">
               <a:rPr lang="zh-CN" altLang="en-US" smtClean="0"/>
               <a:t>‹#›</a:t>
             </a:fld>
@@ -1873,7 +1873,7 @@
     </p:spTree>
     <p:extLst>
       <p:ext uri="{BB962C8B-B14F-4D97-AF65-F5344CB8AC3E}">
-        <p14:creationId xmlns:p14="http://schemas.microsoft.com/office/powerpoint/2010/main" val="3664324259"/>
+        <p14:creationId xmlns:p14="http://schemas.microsoft.com/office/powerpoint/2010/main" val="1024407217"/>
       </p:ext>
     </p:extLst>
   </p:cSld>
@@ -1905,7 +1905,7 @@
           <p:cNvPr id="2" name="标题 1">
             <a:extLst>
               <a:ext uri="{FF2B5EF4-FFF2-40B4-BE49-F238E27FC236}">
-                <a16:creationId xmlns:a16="http://schemas.microsoft.com/office/drawing/2014/main" id="{D4D44D79-48B2-F051-8465-D5E9AB5B49A5}"/>
+                <a16:creationId xmlns:a16="http://schemas.microsoft.com/office/drawing/2014/main" id="{D0DD7E2E-DFA7-7F27-40F9-8D8CF9E5F741}"/>
               </a:ext>
             </a:extLst>
           </p:cNvPr>
@@ -1933,7 +1933,7 @@
           <p:cNvPr id="3" name="日期占位符 2">
             <a:extLst>
               <a:ext uri="{FF2B5EF4-FFF2-40B4-BE49-F238E27FC236}">
-                <a16:creationId xmlns:a16="http://schemas.microsoft.com/office/drawing/2014/main" id="{52AB5E67-B8DF-8654-8F01-991B82402876}"/>
+                <a16:creationId xmlns:a16="http://schemas.microsoft.com/office/drawing/2014/main" id="{67FE42AA-9B68-2019-3100-48525BD346CF}"/>
               </a:ext>
             </a:extLst>
           </p:cNvPr>
@@ -1949,7 +1949,7 @@
           <a:bodyPr/>
           <a:lstStyle/>
           <a:p>
-            <a:fld id="{BDCE1039-C574-4E4C-8F55-306E311F6B0A}" type="datetimeFigureOut">
+            <a:fld id="{5A848A7C-6EFE-43CA-8AF9-3FF62C666F14}" type="datetimeFigureOut">
               <a:rPr lang="zh-CN" altLang="en-US" smtClean="0"/>
               <a:t>2024/3/10</a:t>
             </a:fld>
@@ -1962,7 +1962,7 @@
           <p:cNvPr id="4" name="页脚占位符 3">
             <a:extLst>
               <a:ext uri="{FF2B5EF4-FFF2-40B4-BE49-F238E27FC236}">
-                <a16:creationId xmlns:a16="http://schemas.microsoft.com/office/drawing/2014/main" id="{A37640FF-0B36-98BA-A489-86FDD157C972}"/>
+                <a16:creationId xmlns:a16="http://schemas.microsoft.com/office/drawing/2014/main" id="{180E736F-A0FE-4636-7308-E7F6137F24AF}"/>
               </a:ext>
             </a:extLst>
           </p:cNvPr>
@@ -1987,7 +1987,7 @@
           <p:cNvPr id="5" name="灯片编号占位符 4">
             <a:extLst>
               <a:ext uri="{FF2B5EF4-FFF2-40B4-BE49-F238E27FC236}">
-                <a16:creationId xmlns:a16="http://schemas.microsoft.com/office/drawing/2014/main" id="{45EFB949-EFFD-06C7-0ED6-6E333C74B24E}"/>
+                <a16:creationId xmlns:a16="http://schemas.microsoft.com/office/drawing/2014/main" id="{A2AC991F-D3F8-6BDC-3E70-7519A44BECD2}"/>
               </a:ext>
             </a:extLst>
           </p:cNvPr>
@@ -2003,7 +2003,7 @@
           <a:bodyPr/>
           <a:lstStyle/>
           <a:p>
-            <a:fld id="{D7DCD8C9-37A4-40CC-B7BD-8AC796407723}" type="slidenum">
+            <a:fld id="{7200C814-AA35-4FA0-96E4-BD39A39EB36B}" type="slidenum">
               <a:rPr lang="zh-CN" altLang="en-US" smtClean="0"/>
               <a:t>‹#›</a:t>
             </a:fld>
@@ -2014,7 +2014,7 @@
     </p:spTree>
     <p:extLst>
       <p:ext uri="{BB962C8B-B14F-4D97-AF65-F5344CB8AC3E}">
-        <p14:creationId xmlns:p14="http://schemas.microsoft.com/office/powerpoint/2010/main" val="3855416632"/>
+        <p14:creationId xmlns:p14="http://schemas.microsoft.com/office/powerpoint/2010/main" val="500278953"/>
       </p:ext>
     </p:extLst>
   </p:cSld>
@@ -2046,7 +2046,7 @@
           <p:cNvPr id="2" name="日期占位符 1">
             <a:extLst>
               <a:ext uri="{FF2B5EF4-FFF2-40B4-BE49-F238E27FC236}">
-                <a16:creationId xmlns:a16="http://schemas.microsoft.com/office/drawing/2014/main" id="{CA74CAB1-C470-0AC2-419D-56D409D08C63}"/>
+                <a16:creationId xmlns:a16="http://schemas.microsoft.com/office/drawing/2014/main" id="{8FF362A0-B2E8-839A-DB48-D7A2CF8DE6E7}"/>
               </a:ext>
             </a:extLst>
           </p:cNvPr>
@@ -2062,7 +2062,7 @@
           <a:bodyPr/>
           <a:lstStyle/>
           <a:p>
-            <a:fld id="{BDCE1039-C574-4E4C-8F55-306E311F6B0A}" type="datetimeFigureOut">
+            <a:fld id="{5A848A7C-6EFE-43CA-8AF9-3FF62C666F14}" type="datetimeFigureOut">
               <a:rPr lang="zh-CN" altLang="en-US" smtClean="0"/>
               <a:t>2024/3/10</a:t>
             </a:fld>
@@ -2075,7 +2075,7 @@
           <p:cNvPr id="3" name="页脚占位符 2">
             <a:extLst>
               <a:ext uri="{FF2B5EF4-FFF2-40B4-BE49-F238E27FC236}">
-                <a16:creationId xmlns:a16="http://schemas.microsoft.com/office/drawing/2014/main" id="{8A2B3EBA-F0C5-DEB2-01C3-8E304ECD2B5B}"/>
+                <a16:creationId xmlns:a16="http://schemas.microsoft.com/office/drawing/2014/main" id="{914D3778-1FA4-2A4F-F8F1-C9ABA96441D1}"/>
               </a:ext>
             </a:extLst>
           </p:cNvPr>
@@ -2100,7 +2100,7 @@
           <p:cNvPr id="4" name="灯片编号占位符 3">
             <a:extLst>
               <a:ext uri="{FF2B5EF4-FFF2-40B4-BE49-F238E27FC236}">
-                <a16:creationId xmlns:a16="http://schemas.microsoft.com/office/drawing/2014/main" id="{FDA522B3-2486-3E8C-CC03-E55D32C04227}"/>
+                <a16:creationId xmlns:a16="http://schemas.microsoft.com/office/drawing/2014/main" id="{E4DF9B78-9C00-6B6F-CC19-CDAAEE11FB0C}"/>
               </a:ext>
             </a:extLst>
           </p:cNvPr>
@@ -2116,7 +2116,7 @@
           <a:bodyPr/>
           <a:lstStyle/>
           <a:p>
-            <a:fld id="{D7DCD8C9-37A4-40CC-B7BD-8AC796407723}" type="slidenum">
+            <a:fld id="{7200C814-AA35-4FA0-96E4-BD39A39EB36B}" type="slidenum">
               <a:rPr lang="zh-CN" altLang="en-US" smtClean="0"/>
               <a:t>‹#›</a:t>
             </a:fld>
@@ -2127,7 +2127,7 @@
     </p:spTree>
     <p:extLst>
       <p:ext uri="{BB962C8B-B14F-4D97-AF65-F5344CB8AC3E}">
-        <p14:creationId xmlns:p14="http://schemas.microsoft.com/office/powerpoint/2010/main" val="1068053836"/>
+        <p14:creationId xmlns:p14="http://schemas.microsoft.com/office/powerpoint/2010/main" val="1072996015"/>
       </p:ext>
     </p:extLst>
   </p:cSld>
@@ -2159,7 +2159,7 @@
           <p:cNvPr id="2" name="标题 1">
             <a:extLst>
               <a:ext uri="{FF2B5EF4-FFF2-40B4-BE49-F238E27FC236}">
-                <a16:creationId xmlns:a16="http://schemas.microsoft.com/office/drawing/2014/main" id="{306FC2D2-6560-B5B7-0C38-E108A23030FF}"/>
+                <a16:creationId xmlns:a16="http://schemas.microsoft.com/office/drawing/2014/main" id="{90382803-F0D6-87DE-704B-53B9AF8E8E74}"/>
               </a:ext>
             </a:extLst>
           </p:cNvPr>
@@ -2196,7 +2196,7 @@
           <p:cNvPr id="3" name="内容占位符 2">
             <a:extLst>
               <a:ext uri="{FF2B5EF4-FFF2-40B4-BE49-F238E27FC236}">
-                <a16:creationId xmlns:a16="http://schemas.microsoft.com/office/drawing/2014/main" id="{32C15C43-5849-2C27-C85D-B089AEF9E1A6}"/>
+                <a16:creationId xmlns:a16="http://schemas.microsoft.com/office/drawing/2014/main" id="{4B70F139-CC20-FE64-A226-60EEFB0774AA}"/>
               </a:ext>
             </a:extLst>
           </p:cNvPr>
@@ -2286,7 +2286,7 @@
           <p:cNvPr id="4" name="文本占位符 3">
             <a:extLst>
               <a:ext uri="{FF2B5EF4-FFF2-40B4-BE49-F238E27FC236}">
-                <a16:creationId xmlns:a16="http://schemas.microsoft.com/office/drawing/2014/main" id="{377D47F1-A22A-B466-6117-44770306F877}"/>
+                <a16:creationId xmlns:a16="http://schemas.microsoft.com/office/drawing/2014/main" id="{E61D5AAB-EBDD-BAEE-14AB-06A8EE44FFC5}"/>
               </a:ext>
             </a:extLst>
           </p:cNvPr>
@@ -2357,7 +2357,7 @@
           <p:cNvPr id="5" name="日期占位符 4">
             <a:extLst>
               <a:ext uri="{FF2B5EF4-FFF2-40B4-BE49-F238E27FC236}">
-                <a16:creationId xmlns:a16="http://schemas.microsoft.com/office/drawing/2014/main" id="{417ED3C1-FE77-D203-9E74-C64D1B7D0199}"/>
+                <a16:creationId xmlns:a16="http://schemas.microsoft.com/office/drawing/2014/main" id="{C957513E-E4DF-0B6A-0254-FF1F5F62FF4D}"/>
               </a:ext>
             </a:extLst>
           </p:cNvPr>
@@ -2373,7 +2373,7 @@
           <a:bodyPr/>
           <a:lstStyle/>
           <a:p>
-            <a:fld id="{BDCE1039-C574-4E4C-8F55-306E311F6B0A}" type="datetimeFigureOut">
+            <a:fld id="{5A848A7C-6EFE-43CA-8AF9-3FF62C666F14}" type="datetimeFigureOut">
               <a:rPr lang="zh-CN" altLang="en-US" smtClean="0"/>
               <a:t>2024/3/10</a:t>
             </a:fld>
@@ -2386,7 +2386,7 @@
           <p:cNvPr id="6" name="页脚占位符 5">
             <a:extLst>
               <a:ext uri="{FF2B5EF4-FFF2-40B4-BE49-F238E27FC236}">
-                <a16:creationId xmlns:a16="http://schemas.microsoft.com/office/drawing/2014/main" id="{35A96D0A-DB12-A9F5-2FEE-65A5DBC300F6}"/>
+                <a16:creationId xmlns:a16="http://schemas.microsoft.com/office/drawing/2014/main" id="{8C5D1F80-4C84-9261-DDC5-94CEF8524F1E}"/>
               </a:ext>
             </a:extLst>
           </p:cNvPr>
@@ -2411,7 +2411,7 @@
           <p:cNvPr id="7" name="灯片编号占位符 6">
             <a:extLst>
               <a:ext uri="{FF2B5EF4-FFF2-40B4-BE49-F238E27FC236}">
-                <a16:creationId xmlns:a16="http://schemas.microsoft.com/office/drawing/2014/main" id="{CC4A4246-A56A-78C1-0951-D6E55EE3EC54}"/>
+                <a16:creationId xmlns:a16="http://schemas.microsoft.com/office/drawing/2014/main" id="{F25F8786-7580-819D-9248-DCB3FDD60547}"/>
               </a:ext>
             </a:extLst>
           </p:cNvPr>
@@ -2427,7 +2427,7 @@
           <a:bodyPr/>
           <a:lstStyle/>
           <a:p>
-            <a:fld id="{D7DCD8C9-37A4-40CC-B7BD-8AC796407723}" type="slidenum">
+            <a:fld id="{7200C814-AA35-4FA0-96E4-BD39A39EB36B}" type="slidenum">
               <a:rPr lang="zh-CN" altLang="en-US" smtClean="0"/>
               <a:t>‹#›</a:t>
             </a:fld>
@@ -2438,7 +2438,7 @@
     </p:spTree>
     <p:extLst>
       <p:ext uri="{BB962C8B-B14F-4D97-AF65-F5344CB8AC3E}">
-        <p14:creationId xmlns:p14="http://schemas.microsoft.com/office/powerpoint/2010/main" val="4050381535"/>
+        <p14:creationId xmlns:p14="http://schemas.microsoft.com/office/powerpoint/2010/main" val="2691716233"/>
       </p:ext>
     </p:extLst>
   </p:cSld>
@@ -2470,7 +2470,7 @@
           <p:cNvPr id="2" name="标题 1">
             <a:extLst>
               <a:ext uri="{FF2B5EF4-FFF2-40B4-BE49-F238E27FC236}">
-                <a16:creationId xmlns:a16="http://schemas.microsoft.com/office/drawing/2014/main" id="{11A2229D-E331-1DE9-7A80-69CB9B10AD39}"/>
+                <a16:creationId xmlns:a16="http://schemas.microsoft.com/office/drawing/2014/main" id="{19BD1FD6-3267-F8CA-C1BD-E166CE721EFD}"/>
               </a:ext>
             </a:extLst>
           </p:cNvPr>
@@ -2507,7 +2507,7 @@
           <p:cNvPr id="3" name="图片占位符 2">
             <a:extLst>
               <a:ext uri="{FF2B5EF4-FFF2-40B4-BE49-F238E27FC236}">
-                <a16:creationId xmlns:a16="http://schemas.microsoft.com/office/drawing/2014/main" id="{2C51A972-8488-7D71-889B-6B9A21D28C11}"/>
+                <a16:creationId xmlns:a16="http://schemas.microsoft.com/office/drawing/2014/main" id="{69BC442F-3C60-02DF-7AD2-84364A54ECEB}"/>
               </a:ext>
             </a:extLst>
           </p:cNvPr>
@@ -2574,7 +2574,7 @@
           <p:cNvPr id="4" name="文本占位符 3">
             <a:extLst>
               <a:ext uri="{FF2B5EF4-FFF2-40B4-BE49-F238E27FC236}">
-                <a16:creationId xmlns:a16="http://schemas.microsoft.com/office/drawing/2014/main" id="{417CD96B-CFB5-4FCC-D244-D65DFF90600C}"/>
+                <a16:creationId xmlns:a16="http://schemas.microsoft.com/office/drawing/2014/main" id="{F77F6A76-32CD-C374-2B51-9930B519CB39}"/>
               </a:ext>
             </a:extLst>
           </p:cNvPr>
@@ -2645,7 +2645,7 @@
           <p:cNvPr id="5" name="日期占位符 4">
             <a:extLst>
               <a:ext uri="{FF2B5EF4-FFF2-40B4-BE49-F238E27FC236}">
-                <a16:creationId xmlns:a16="http://schemas.microsoft.com/office/drawing/2014/main" id="{8E228C47-0444-CADD-61B0-6DEC82B7BA47}"/>
+                <a16:creationId xmlns:a16="http://schemas.microsoft.com/office/drawing/2014/main" id="{3389A4BB-759F-F424-250E-19F68AD0111D}"/>
               </a:ext>
             </a:extLst>
           </p:cNvPr>
@@ -2661,7 +2661,7 @@
           <a:bodyPr/>
           <a:lstStyle/>
           <a:p>
-            <a:fld id="{BDCE1039-C574-4E4C-8F55-306E311F6B0A}" type="datetimeFigureOut">
+            <a:fld id="{5A848A7C-6EFE-43CA-8AF9-3FF62C666F14}" type="datetimeFigureOut">
               <a:rPr lang="zh-CN" altLang="en-US" smtClean="0"/>
               <a:t>2024/3/10</a:t>
             </a:fld>
@@ -2674,7 +2674,7 @@
           <p:cNvPr id="6" name="页脚占位符 5">
             <a:extLst>
               <a:ext uri="{FF2B5EF4-FFF2-40B4-BE49-F238E27FC236}">
-                <a16:creationId xmlns:a16="http://schemas.microsoft.com/office/drawing/2014/main" id="{2DE506CB-ABD9-22BA-EF08-1C8A048B3A34}"/>
+                <a16:creationId xmlns:a16="http://schemas.microsoft.com/office/drawing/2014/main" id="{049044CD-F0F5-3AB5-0731-172E2F2AE8A5}"/>
               </a:ext>
             </a:extLst>
           </p:cNvPr>
@@ -2699,7 +2699,7 @@
           <p:cNvPr id="7" name="灯片编号占位符 6">
             <a:extLst>
               <a:ext uri="{FF2B5EF4-FFF2-40B4-BE49-F238E27FC236}">
-                <a16:creationId xmlns:a16="http://schemas.microsoft.com/office/drawing/2014/main" id="{67D2F3D5-81D3-E9A6-154A-1254D4D6E0A1}"/>
+                <a16:creationId xmlns:a16="http://schemas.microsoft.com/office/drawing/2014/main" id="{FF5A5750-9016-F85A-479C-3C2726846EAD}"/>
               </a:ext>
             </a:extLst>
           </p:cNvPr>
@@ -2715,7 +2715,7 @@
           <a:bodyPr/>
           <a:lstStyle/>
           <a:p>
-            <a:fld id="{D7DCD8C9-37A4-40CC-B7BD-8AC796407723}" type="slidenum">
+            <a:fld id="{7200C814-AA35-4FA0-96E4-BD39A39EB36B}" type="slidenum">
               <a:rPr lang="zh-CN" altLang="en-US" smtClean="0"/>
               <a:t>‹#›</a:t>
             </a:fld>
@@ -2726,7 +2726,7 @@
     </p:spTree>
     <p:extLst>
       <p:ext uri="{BB962C8B-B14F-4D97-AF65-F5344CB8AC3E}">
-        <p14:creationId xmlns:p14="http://schemas.microsoft.com/office/powerpoint/2010/main" val="804574515"/>
+        <p14:creationId xmlns:p14="http://schemas.microsoft.com/office/powerpoint/2010/main" val="2018845283"/>
       </p:ext>
     </p:extLst>
   </p:cSld>
@@ -2763,7 +2763,7 @@
           <p:cNvPr id="2" name="标题占位符 1">
             <a:extLst>
               <a:ext uri="{FF2B5EF4-FFF2-40B4-BE49-F238E27FC236}">
-                <a16:creationId xmlns:a16="http://schemas.microsoft.com/office/drawing/2014/main" id="{0E072842-5AE0-151F-BD26-CC77B656EA93}"/>
+                <a16:creationId xmlns:a16="http://schemas.microsoft.com/office/drawing/2014/main" id="{FE76A136-09DD-9FA9-151D-1A4B609DE3D5}"/>
               </a:ext>
             </a:extLst>
           </p:cNvPr>
@@ -2801,7 +2801,7 @@
           <p:cNvPr id="3" name="文本占位符 2">
             <a:extLst>
               <a:ext uri="{FF2B5EF4-FFF2-40B4-BE49-F238E27FC236}">
-                <a16:creationId xmlns:a16="http://schemas.microsoft.com/office/drawing/2014/main" id="{A5FA1B83-3A3E-E4FC-4324-B4EABD1CB6A3}"/>
+                <a16:creationId xmlns:a16="http://schemas.microsoft.com/office/drawing/2014/main" id="{C896FA0C-B654-1C6D-693C-0A95D62AEEB3}"/>
               </a:ext>
             </a:extLst>
           </p:cNvPr>
@@ -2868,7 +2868,7 @@
           <p:cNvPr id="4" name="日期占位符 3">
             <a:extLst>
               <a:ext uri="{FF2B5EF4-FFF2-40B4-BE49-F238E27FC236}">
-                <a16:creationId xmlns:a16="http://schemas.microsoft.com/office/drawing/2014/main" id="{04EF7DD7-D4AD-9231-8E81-B8181C5830DC}"/>
+                <a16:creationId xmlns:a16="http://schemas.microsoft.com/office/drawing/2014/main" id="{84BC037A-DD64-199C-B999-21CF797645A5}"/>
               </a:ext>
             </a:extLst>
           </p:cNvPr>
@@ -2902,7 +2902,7 @@
             </a:lvl1pPr>
           </a:lstStyle>
           <a:p>
-            <a:fld id="{BDCE1039-C574-4E4C-8F55-306E311F6B0A}" type="datetimeFigureOut">
+            <a:fld id="{5A848A7C-6EFE-43CA-8AF9-3FF62C666F14}" type="datetimeFigureOut">
               <a:rPr lang="zh-CN" altLang="en-US" smtClean="0"/>
               <a:t>2024/3/10</a:t>
             </a:fld>
@@ -2915,7 +2915,7 @@
           <p:cNvPr id="5" name="页脚占位符 4">
             <a:extLst>
               <a:ext uri="{FF2B5EF4-FFF2-40B4-BE49-F238E27FC236}">
-                <a16:creationId xmlns:a16="http://schemas.microsoft.com/office/drawing/2014/main" id="{2602C7A5-3A97-46B3-EE38-B6A61CD9DAC5}"/>
+                <a16:creationId xmlns:a16="http://schemas.microsoft.com/office/drawing/2014/main" id="{E7CEE8B3-C7F9-F7AD-E654-8A6D79EFCAB5}"/>
               </a:ext>
             </a:extLst>
           </p:cNvPr>
@@ -2958,7 +2958,7 @@
           <p:cNvPr id="6" name="灯片编号占位符 5">
             <a:extLst>
               <a:ext uri="{FF2B5EF4-FFF2-40B4-BE49-F238E27FC236}">
-                <a16:creationId xmlns:a16="http://schemas.microsoft.com/office/drawing/2014/main" id="{1B6E79F0-6C05-95DC-36D1-927F4D6EB11D}"/>
+                <a16:creationId xmlns:a16="http://schemas.microsoft.com/office/drawing/2014/main" id="{B516202A-0C22-F696-EAA2-1796868868E8}"/>
               </a:ext>
             </a:extLst>
           </p:cNvPr>
@@ -2992,7 +2992,7 @@
             </a:lvl1pPr>
           </a:lstStyle>
           <a:p>
-            <a:fld id="{D7DCD8C9-37A4-40CC-B7BD-8AC796407723}" type="slidenum">
+            <a:fld id="{7200C814-AA35-4FA0-96E4-BD39A39EB36B}" type="slidenum">
               <a:rPr lang="zh-CN" altLang="en-US" smtClean="0"/>
               <a:t>‹#›</a:t>
             </a:fld>
@@ -3003,7 +3003,7 @@
     </p:spTree>
     <p:extLst>
       <p:ext uri="{BB962C8B-B14F-4D97-AF65-F5344CB8AC3E}">
-        <p14:creationId xmlns:p14="http://schemas.microsoft.com/office/powerpoint/2010/main" val="42774573"/>
+        <p14:creationId xmlns:p14="http://schemas.microsoft.com/office/powerpoint/2010/main" val="2074323170"/>
       </p:ext>
     </p:extLst>
   </p:cSld>
@@ -3323,7 +3323,7 @@
       </p:grpSpPr>
       <p:pic>
         <p:nvPicPr>
-          <p:cNvPr id="1540098" name="Picture 2" descr="1503"/>
+          <p:cNvPr id="1541122" name="Picture 2" descr="1504"/>
           <p:cNvPicPr>
             <a:picLocks noChangeAspect="1" noChangeArrowheads="1"/>
           </p:cNvPicPr>
@@ -3344,8 +3344,8 @@
         </p:blipFill>
         <p:spPr bwMode="auto">
           <a:xfrm>
-            <a:off x="1524000" y="0"/>
-            <a:ext cx="9144000" cy="6858000"/>
+            <a:off x="1559496" y="634206"/>
+            <a:ext cx="9144000" cy="5589588"/>
           </a:xfrm>
           <a:prstGeom prst="rect">
             <a:avLst/>
